--- a/C#/_Demos C# 1/7. Summary/CSharp-Part-1-Summary.pptx
+++ b/C#/_Demos C# 1/7. Summary/CSharp-Part-1-Summary.pptx
@@ -180,7 +180,7 @@
   </p:defaultTextStyle>
   <p:extLst>
     <p:ext uri="{EFAFB233-063F-42B5-8137-9DF3F51BA10A}">
-      <p15:sldGuideLst xmlns="" xmlns:p15="http://schemas.microsoft.com/office/powerpoint/2012/main">
+      <p15:sldGuideLst xmlns:p15="http://schemas.microsoft.com/office/powerpoint/2012/main" xmlns="">
         <p15:guide id="1" orient="horz" pos="2160">
           <p15:clr>
             <a:srgbClr val="A4A3A4"/>
@@ -194,7 +194,7 @@
       </p15:sldGuideLst>
     </p:ext>
     <p:ext uri="{2D200454-40CA-4A62-9FC3-DE9A4176ACB9}">
-      <p15:notesGuideLst xmlns="" xmlns:p15="http://schemas.microsoft.com/office/powerpoint/2012/main">
+      <p15:notesGuideLst xmlns:p15="http://schemas.microsoft.com/office/powerpoint/2012/main" xmlns="">
         <p15:guide id="1" orient="horz" pos="2928">
           <p15:clr>
             <a:srgbClr val="A4A3A4"/>
@@ -326,7 +326,7 @@
             <a:fld id="{3BF7C7B5-275F-4D1F-9AB4-9255447DBC73}" type="datetimeFigureOut">
               <a:rPr lang="en-US"/>
               <a:pPr/>
-              <a:t>11/15/2013</a:t>
+              <a:t>4/6/2016</a:t>
             </a:fld>
             <a:endParaRPr lang="en-US" dirty="0"/>
           </a:p>
@@ -434,7 +434,7 @@
     </p:spTree>
     <p:extLst>
       <p:ext uri="{BB962C8B-B14F-4D97-AF65-F5344CB8AC3E}">
-        <p14:creationId xmlns:p14="http://schemas.microsoft.com/office/powerpoint/2010/main" val="1213240605"/>
+        <p14:creationId xmlns:p14="http://schemas.microsoft.com/office/powerpoint/2010/main" xmlns="" val="1213240605"/>
       </p:ext>
     </p:extLst>
   </p:cSld>
@@ -557,7 +557,7 @@
             <a:fld id="{9B46F231-FB2B-4655-A644-E2477325E686}" type="datetimeFigureOut">
               <a:rPr lang="en-US"/>
               <a:pPr/>
-              <a:t>11/15/2013</a:t>
+              <a:t>4/6/2016</a:t>
             </a:fld>
             <a:endParaRPr lang="en-US" dirty="0"/>
           </a:p>
@@ -770,7 +770,7 @@
     </p:spTree>
     <p:extLst>
       <p:ext uri="{BB962C8B-B14F-4D97-AF65-F5344CB8AC3E}">
-        <p14:creationId xmlns:p14="http://schemas.microsoft.com/office/powerpoint/2010/main" val="3985201946"/>
+        <p14:creationId xmlns:p14="http://schemas.microsoft.com/office/powerpoint/2010/main" xmlns="" val="3985201946"/>
       </p:ext>
     </p:extLst>
   </p:cSld>
@@ -1030,7 +1030,7 @@
     </p:spTree>
     <p:extLst>
       <p:ext uri="{BB962C8B-B14F-4D97-AF65-F5344CB8AC3E}">
-        <p14:creationId xmlns:p14="http://schemas.microsoft.com/office/powerpoint/2010/main" val="3315314915"/>
+        <p14:creationId xmlns:p14="http://schemas.microsoft.com/office/powerpoint/2010/main" xmlns="" val="3315314915"/>
       </p:ext>
     </p:extLst>
   </p:cSld>
@@ -2365,7 +2365,7 @@
     </p:spTree>
     <p:extLst>
       <p:ext uri="{BB962C8B-B14F-4D97-AF65-F5344CB8AC3E}">
-        <p14:creationId xmlns:p14="http://schemas.microsoft.com/office/powerpoint/2010/main" val="3141685506"/>
+        <p14:creationId xmlns:p14="http://schemas.microsoft.com/office/powerpoint/2010/main" xmlns="" val="3141685506"/>
       </p:ext>
     </p:extLst>
   </p:cSld>
@@ -5605,7 +5605,7 @@
     </p:spTree>
     <p:extLst>
       <p:ext uri="{BB962C8B-B14F-4D97-AF65-F5344CB8AC3E}">
-        <p14:creationId xmlns:p14="http://schemas.microsoft.com/office/powerpoint/2010/main" val="4260113539"/>
+        <p14:creationId xmlns:p14="http://schemas.microsoft.com/office/powerpoint/2010/main" xmlns="" val="4260113539"/>
       </p:ext>
     </p:extLst>
   </p:cSld>
@@ -5656,10 +5656,10 @@
           <p:nvPr userDrawn="1"/>
         </p:nvPicPr>
         <p:blipFill>
-          <a:blip r:embed="rId8">
+          <a:blip r:embed="rId8" cstate="print">
             <a:extLst>
               <a:ext uri="{28A0092B-C50C-407E-A947-70E740481C1C}">
-                <a14:useLocalDpi xmlns:a14="http://schemas.microsoft.com/office/drawing/2010/main"/>
+                <a14:useLocalDpi xmlns:a14="http://schemas.microsoft.com/office/drawing/2010/main" xmlns=""/>
               </a:ext>
             </a:extLst>
           </a:blip>
@@ -5679,7 +5679,7 @@
           <a:noFill/>
           <a:extLst>
             <a:ext uri="{909E8E84-426E-40DD-AFC4-6F175D3DCCD1}">
-              <a14:hiddenFill xmlns:a14="http://schemas.microsoft.com/office/drawing/2010/main">
+              <a14:hiddenFill xmlns:a14="http://schemas.microsoft.com/office/drawing/2010/main" xmlns="">
                 <a:solidFill>
                   <a:srgbClr val="FFFFFF"/>
                 </a:solidFill>
@@ -5700,7 +5700,7 @@
           <a:blip r:embed="rId9" cstate="email">
             <a:extLst>
               <a:ext uri="{28A0092B-C50C-407E-A947-70E740481C1C}">
-                <a14:useLocalDpi xmlns:a14="http://schemas.microsoft.com/office/drawing/2010/main"/>
+                <a14:useLocalDpi xmlns:a14="http://schemas.microsoft.com/office/drawing/2010/main" xmlns=""/>
               </a:ext>
             </a:extLst>
           </a:blip>
@@ -5724,14 +5724,14 @@
           <a:effectLst/>
           <a:extLst>
             <a:ext uri="{909E8E84-426E-40DD-AFC4-6F175D3DCCD1}">
-              <a14:hiddenFill xmlns:a14="http://schemas.microsoft.com/office/drawing/2010/main">
+              <a14:hiddenFill xmlns:a14="http://schemas.microsoft.com/office/drawing/2010/main" xmlns="">
                 <a:solidFill>
                   <a:schemeClr val="accent1"/>
                 </a:solidFill>
               </a14:hiddenFill>
             </a:ext>
             <a:ext uri="{91240B29-F687-4F45-9708-019B960494DF}">
-              <a14:hiddenLine xmlns:a14="http://schemas.microsoft.com/office/drawing/2010/main" w="9525">
+              <a14:hiddenLine xmlns:a14="http://schemas.microsoft.com/office/drawing/2010/main" xmlns="" w="9525">
                 <a:solidFill>
                   <a:schemeClr val="tx1"/>
                 </a:solidFill>
@@ -5741,7 +5741,7 @@
               </a14:hiddenLine>
             </a:ext>
             <a:ext uri="{AF507438-7753-43E0-B8FC-AC1667EBCBE1}">
-              <a14:hiddenEffects xmlns:a14="http://schemas.microsoft.com/office/drawing/2010/main">
+              <a14:hiddenEffects xmlns:a14="http://schemas.microsoft.com/office/drawing/2010/main" xmlns="">
                 <a:effectLst>
                   <a:outerShdw dist="35921" dir="2700000" algn="ctr" rotWithShape="0">
                     <a:schemeClr val="bg2"/>
@@ -5764,7 +5764,7 @@
           <a:blip r:embed="rId10" cstate="email">
             <a:extLst>
               <a:ext uri="{28A0092B-C50C-407E-A947-70E740481C1C}">
-                <a14:useLocalDpi xmlns:a14="http://schemas.microsoft.com/office/drawing/2010/main"/>
+                <a14:useLocalDpi xmlns:a14="http://schemas.microsoft.com/office/drawing/2010/main" xmlns=""/>
               </a:ext>
             </a:extLst>
           </a:blip>
@@ -5788,14 +5788,14 @@
           <a:effectLst/>
           <a:extLst>
             <a:ext uri="{909E8E84-426E-40DD-AFC4-6F175D3DCCD1}">
-              <a14:hiddenFill xmlns:a14="http://schemas.microsoft.com/office/drawing/2010/main">
+              <a14:hiddenFill xmlns:a14="http://schemas.microsoft.com/office/drawing/2010/main" xmlns="">
                 <a:solidFill>
                   <a:schemeClr val="accent1"/>
                 </a:solidFill>
               </a14:hiddenFill>
             </a:ext>
             <a:ext uri="{91240B29-F687-4F45-9708-019B960494DF}">
-              <a14:hiddenLine xmlns:a14="http://schemas.microsoft.com/office/drawing/2010/main" w="9525">
+              <a14:hiddenLine xmlns:a14="http://schemas.microsoft.com/office/drawing/2010/main" xmlns="" w="9525">
                 <a:solidFill>
                   <a:schemeClr val="tx1"/>
                 </a:solidFill>
@@ -5805,7 +5805,7 @@
               </a14:hiddenLine>
             </a:ext>
             <a:ext uri="{AF507438-7753-43E0-B8FC-AC1667EBCBE1}">
-              <a14:hiddenEffects xmlns:a14="http://schemas.microsoft.com/office/drawing/2010/main">
+              <a14:hiddenEffects xmlns:a14="http://schemas.microsoft.com/office/drawing/2010/main" xmlns="">
                 <a:effectLst>
                   <a:outerShdw dist="35921" dir="2700000" algn="ctr" rotWithShape="0">
                     <a:schemeClr val="bg2"/>
@@ -5825,10 +5825,10 @@
           <p:nvPr userDrawn="1"/>
         </p:nvPicPr>
         <p:blipFill>
-          <a:blip r:embed="rId11">
+          <a:blip r:embed="rId11" cstate="print">
             <a:extLst>
               <a:ext uri="{BEBA8EAE-BF5A-486C-A8C5-ECC9F3942E4B}">
-                <a14:imgProps xmlns:a14="http://schemas.microsoft.com/office/drawing/2010/main">
+                <a14:imgProps xmlns:a14="http://schemas.microsoft.com/office/drawing/2010/main" xmlns="">
                   <a14:imgLayer r:embed="rId12">
                     <a14:imgEffect>
                       <a14:brightnessContrast bright="20000"/>
@@ -5837,7 +5837,7 @@
                 </a14:imgProps>
               </a:ext>
               <a:ext uri="{28A0092B-C50C-407E-A947-70E740481C1C}">
-                <a14:useLocalDpi xmlns:a14="http://schemas.microsoft.com/office/drawing/2010/main"/>
+                <a14:useLocalDpi xmlns:a14="http://schemas.microsoft.com/office/drawing/2010/main" xmlns=""/>
               </a:ext>
             </a:extLst>
           </a:blip>
@@ -5865,7 +5865,7 @@
           </a:effectLst>
           <a:extLst>
             <a:ext uri="{909E8E84-426E-40DD-AFC4-6F175D3DCCD1}">
-              <a14:hiddenFill xmlns:a14="http://schemas.microsoft.com/office/drawing/2010/main">
+              <a14:hiddenFill xmlns:a14="http://schemas.microsoft.com/office/drawing/2010/main" xmlns="">
                 <a:solidFill>
                   <a:srgbClr val="FFFFFF"/>
                 </a:solidFill>
@@ -6524,7 +6524,7 @@
           <a:blip r:embed="rId4" cstate="screen">
             <a:extLst>
               <a:ext uri="{28A0092B-C50C-407E-A947-70E740481C1C}">
-                <a14:useLocalDpi xmlns:a14="http://schemas.microsoft.com/office/drawing/2010/main" val="0"/>
+                <a14:useLocalDpi xmlns:a14="http://schemas.microsoft.com/office/drawing/2010/main" xmlns="" val="0"/>
               </a:ext>
             </a:extLst>
           </a:blip>
@@ -6544,7 +6544,7 @@
           <a:noFill/>
           <a:extLst>
             <a:ext uri="{909E8E84-426E-40DD-AFC4-6F175D3DCCD1}">
-              <a14:hiddenFill xmlns:a14="http://schemas.microsoft.com/office/drawing/2010/main">
+              <a14:hiddenFill xmlns:a14="http://schemas.microsoft.com/office/drawing/2010/main" xmlns="">
                 <a:solidFill>
                   <a:srgbClr val="FFFFFF"/>
                 </a:solidFill>
@@ -6562,10 +6562,10 @@
           <p:nvPr/>
         </p:nvPicPr>
         <p:blipFill>
-          <a:blip r:embed="rId5">
+          <a:blip r:embed="rId5" cstate="print">
             <a:extLst>
               <a:ext uri="{28A0092B-C50C-407E-A947-70E740481C1C}">
-                <a14:useLocalDpi xmlns:a14="http://schemas.microsoft.com/office/drawing/2010/main" val="0"/>
+                <a14:useLocalDpi xmlns:a14="http://schemas.microsoft.com/office/drawing/2010/main" xmlns="" val="0"/>
               </a:ext>
             </a:extLst>
           </a:blip>
@@ -6589,14 +6589,14 @@
           <a:effectLst/>
           <a:extLst>
             <a:ext uri="{909E8E84-426E-40DD-AFC4-6F175D3DCCD1}">
-              <a14:hiddenFill xmlns:a14="http://schemas.microsoft.com/office/drawing/2010/main">
+              <a14:hiddenFill xmlns:a14="http://schemas.microsoft.com/office/drawing/2010/main" xmlns="">
                 <a:solidFill>
                   <a:schemeClr val="accent1"/>
                 </a:solidFill>
               </a14:hiddenFill>
             </a:ext>
             <a:ext uri="{91240B29-F687-4F45-9708-019B960494DF}">
-              <a14:hiddenLine xmlns:a14="http://schemas.microsoft.com/office/drawing/2010/main" w="9525">
+              <a14:hiddenLine xmlns:a14="http://schemas.microsoft.com/office/drawing/2010/main" xmlns="" w="9525">
                 <a:solidFill>
                   <a:schemeClr val="tx1"/>
                 </a:solidFill>
@@ -6606,7 +6606,7 @@
               </a14:hiddenLine>
             </a:ext>
             <a:ext uri="{AF507438-7753-43E0-B8FC-AC1667EBCBE1}">
-              <a14:hiddenEffects xmlns:a14="http://schemas.microsoft.com/office/drawing/2010/main">
+              <a14:hiddenEffects xmlns:a14="http://schemas.microsoft.com/office/drawing/2010/main" xmlns="">
                 <a:effectLst>
                   <a:outerShdw dist="35921" dir="2700000" algn="ctr" rotWithShape="0">
                     <a:schemeClr val="bg2"/>
@@ -6630,7 +6630,7 @@
             <a:lum bright="20000" contrast="30000"/>
             <a:extLst>
               <a:ext uri="{28A0092B-C50C-407E-A947-70E740481C1C}">
-                <a14:useLocalDpi xmlns:a14="http://schemas.microsoft.com/office/drawing/2010/main" val="0"/>
+                <a14:useLocalDpi xmlns:a14="http://schemas.microsoft.com/office/drawing/2010/main" xmlns="" val="0"/>
               </a:ext>
             </a:extLst>
           </a:blip>
@@ -6664,10 +6664,10 @@
           <p:nvPr/>
         </p:nvPicPr>
         <p:blipFill>
-          <a:blip r:embed="rId7">
+          <a:blip r:embed="rId7" cstate="print">
             <a:extLst>
               <a:ext uri="{28A0092B-C50C-407E-A947-70E740481C1C}">
-                <a14:useLocalDpi xmlns:a14="http://schemas.microsoft.com/office/drawing/2010/main" val="0"/>
+                <a14:useLocalDpi xmlns:a14="http://schemas.microsoft.com/office/drawing/2010/main" xmlns="" val="0"/>
               </a:ext>
             </a:extLst>
           </a:blip>
@@ -6687,7 +6687,7 @@
           <a:noFill/>
           <a:extLst>
             <a:ext uri="{909E8E84-426E-40DD-AFC4-6F175D3DCCD1}">
-              <a14:hiddenFill xmlns:a14="http://schemas.microsoft.com/office/drawing/2010/main">
+              <a14:hiddenFill xmlns:a14="http://schemas.microsoft.com/office/drawing/2010/main" xmlns="">
                 <a:solidFill>
                   <a:srgbClr val="FFFFFF"/>
                 </a:solidFill>
@@ -6699,7 +6699,7 @@
     </p:spTree>
     <p:extLst>
       <p:ext uri="{BB962C8B-B14F-4D97-AF65-F5344CB8AC3E}">
-        <p14:creationId xmlns:p14="http://schemas.microsoft.com/office/powerpoint/2010/main" val="914624354"/>
+        <p14:creationId xmlns:p14="http://schemas.microsoft.com/office/powerpoint/2010/main" xmlns="" val="914624354"/>
       </p:ext>
     </p:extLst>
   </p:cSld>
@@ -7221,7 +7221,7 @@
     </p:spTree>
     <p:extLst>
       <p:ext uri="{BB962C8B-B14F-4D97-AF65-F5344CB8AC3E}">
-        <p14:creationId xmlns:p14="http://schemas.microsoft.com/office/powerpoint/2010/main" val="934753020"/>
+        <p14:creationId xmlns:p14="http://schemas.microsoft.com/office/powerpoint/2010/main" xmlns="" val="934753020"/>
       </p:ext>
     </p:extLst>
   </p:cSld>
@@ -7340,7 +7340,7 @@
     </p:spTree>
     <p:extLst>
       <p:ext uri="{BB962C8B-B14F-4D97-AF65-F5344CB8AC3E}">
-        <p14:creationId xmlns:p14="http://schemas.microsoft.com/office/powerpoint/2010/main" val="2060285315"/>
+        <p14:creationId xmlns:p14="http://schemas.microsoft.com/office/powerpoint/2010/main" xmlns="" val="2060285315"/>
       </p:ext>
     </p:extLst>
   </p:cSld>
@@ -7408,7 +7408,7 @@
           </p:nvPr>
         </p:nvPicPr>
         <p:blipFill>
-          <a:blip r:embed="rId2"/>
+          <a:blip r:embed="rId2" cstate="print"/>
           <a:stretch>
             <a:fillRect/>
           </a:stretch>
@@ -7549,7 +7549,7 @@
     </p:spTree>
     <p:extLst>
       <p:ext uri="{BB962C8B-B14F-4D97-AF65-F5344CB8AC3E}">
-        <p14:creationId xmlns:p14="http://schemas.microsoft.com/office/powerpoint/2010/main" val="3771759659"/>
+        <p14:creationId xmlns:p14="http://schemas.microsoft.com/office/powerpoint/2010/main" xmlns="" val="3771759659"/>
       </p:ext>
     </p:extLst>
   </p:cSld>
@@ -7778,7 +7778,7 @@
           <p:nvPr/>
         </p:nvPicPr>
         <p:blipFill>
-          <a:blip r:embed="rId2"/>
+          <a:blip r:embed="rId2" cstate="print"/>
           <a:stretch>
             <a:fillRect/>
           </a:stretch>
@@ -7802,7 +7802,7 @@
           <p:nvPr/>
         </p:nvPicPr>
         <p:blipFill>
-          <a:blip r:embed="rId3"/>
+          <a:blip r:embed="rId3" cstate="print"/>
           <a:stretch>
             <a:fillRect/>
           </a:stretch>
@@ -7820,7 +7820,7 @@
     </p:spTree>
     <p:extLst>
       <p:ext uri="{BB962C8B-B14F-4D97-AF65-F5344CB8AC3E}">
-        <p14:creationId xmlns:p14="http://schemas.microsoft.com/office/powerpoint/2010/main" val="442086843"/>
+        <p14:creationId xmlns:p14="http://schemas.microsoft.com/office/powerpoint/2010/main" xmlns="" val="442086843"/>
       </p:ext>
     </p:extLst>
   </p:cSld>
@@ -8118,10 +8118,10 @@
           <p:nvPr/>
         </p:nvPicPr>
         <p:blipFill>
-          <a:blip r:embed="rId2">
+          <a:blip r:embed="rId2" cstate="print">
             <a:extLst>
               <a:ext uri="{28A0092B-C50C-407E-A947-70E740481C1C}">
-                <a14:useLocalDpi xmlns:a14="http://schemas.microsoft.com/office/drawing/2010/main"/>
+                <a14:useLocalDpi xmlns:a14="http://schemas.microsoft.com/office/drawing/2010/main" xmlns=""/>
               </a:ext>
             </a:extLst>
           </a:blip>
@@ -8143,7 +8143,7 @@
           <a:noFill/>
           <a:extLst>
             <a:ext uri="{909E8E84-426E-40DD-AFC4-6F175D3DCCD1}">
-              <a14:hiddenFill xmlns:a14="http://schemas.microsoft.com/office/drawing/2010/main">
+              <a14:hiddenFill xmlns:a14="http://schemas.microsoft.com/office/drawing/2010/main" xmlns="">
                 <a:solidFill>
                   <a:srgbClr val="FFFFFF"/>
                 </a:solidFill>
@@ -8155,7 +8155,7 @@
     </p:spTree>
     <p:extLst>
       <p:ext uri="{BB962C8B-B14F-4D97-AF65-F5344CB8AC3E}">
-        <p14:creationId xmlns:p14="http://schemas.microsoft.com/office/powerpoint/2010/main" val="395306400"/>
+        <p14:creationId xmlns:p14="http://schemas.microsoft.com/office/powerpoint/2010/main" xmlns="" val="395306400"/>
       </p:ext>
     </p:extLst>
   </p:cSld>
@@ -8264,7 +8264,7 @@
             </a:duotone>
             <a:extLst>
               <a:ext uri="{28A0092B-C50C-407E-A947-70E740481C1C}">
-                <a14:useLocalDpi xmlns:a14="http://schemas.microsoft.com/office/drawing/2010/main" val="0"/>
+                <a14:useLocalDpi xmlns:a14="http://schemas.microsoft.com/office/drawing/2010/main" xmlns="" val="0"/>
               </a:ext>
             </a:extLst>
           </a:blip>
@@ -8300,14 +8300,14 @@
           </a:effectLst>
           <a:extLst>
             <a:ext uri="{909E8E84-426E-40DD-AFC4-6F175D3DCCD1}">
-              <a14:hiddenFill xmlns:a14="http://schemas.microsoft.com/office/drawing/2010/main">
+              <a14:hiddenFill xmlns:a14="http://schemas.microsoft.com/office/drawing/2010/main" xmlns="">
                 <a:solidFill>
                   <a:schemeClr val="accent1"/>
                 </a:solidFill>
               </a14:hiddenFill>
             </a:ext>
             <a:ext uri="{91240B29-F687-4F45-9708-019B960494DF}">
-              <a14:hiddenLine xmlns:a14="http://schemas.microsoft.com/office/drawing/2010/main" w="9525">
+              <a14:hiddenLine xmlns:a14="http://schemas.microsoft.com/office/drawing/2010/main" xmlns="" w="9525">
                 <a:solidFill>
                   <a:schemeClr val="tx1"/>
                 </a:solidFill>
@@ -8338,7 +8338,7 @@
             </a:duotone>
             <a:extLst>
               <a:ext uri="{28A0092B-C50C-407E-A947-70E740481C1C}">
-                <a14:useLocalDpi xmlns:a14="http://schemas.microsoft.com/office/drawing/2010/main" val="0"/>
+                <a14:useLocalDpi xmlns:a14="http://schemas.microsoft.com/office/drawing/2010/main" xmlns="" val="0"/>
               </a:ext>
             </a:extLst>
           </a:blip>
@@ -8374,14 +8374,14 @@
           </a:effectLst>
           <a:extLst>
             <a:ext uri="{909E8E84-426E-40DD-AFC4-6F175D3DCCD1}">
-              <a14:hiddenFill xmlns:a14="http://schemas.microsoft.com/office/drawing/2010/main">
+              <a14:hiddenFill xmlns:a14="http://schemas.microsoft.com/office/drawing/2010/main" xmlns="">
                 <a:solidFill>
                   <a:schemeClr val="accent1"/>
                 </a:solidFill>
               </a14:hiddenFill>
             </a:ext>
             <a:ext uri="{91240B29-F687-4F45-9708-019B960494DF}">
-              <a14:hiddenLine xmlns:a14="http://schemas.microsoft.com/office/drawing/2010/main" w="9525">
+              <a14:hiddenLine xmlns:a14="http://schemas.microsoft.com/office/drawing/2010/main" xmlns="" w="9525">
                 <a:solidFill>
                   <a:schemeClr val="tx1"/>
                 </a:solidFill>
@@ -8402,10 +8402,10 @@
           <p:nvPr/>
         </p:nvPicPr>
         <p:blipFill rotWithShape="1">
-          <a:blip r:embed="rId4">
+          <a:blip r:embed="rId4" cstate="print">
             <a:extLst>
               <a:ext uri="{28A0092B-C50C-407E-A947-70E740481C1C}">
-                <a14:useLocalDpi xmlns:a14="http://schemas.microsoft.com/office/drawing/2010/main" val="0"/>
+                <a14:useLocalDpi xmlns:a14="http://schemas.microsoft.com/office/drawing/2010/main" xmlns="" val="0"/>
               </a:ext>
             </a:extLst>
           </a:blip>
@@ -8427,14 +8427,14 @@
           <a:effectLst/>
           <a:extLst>
             <a:ext uri="{909E8E84-426E-40DD-AFC4-6F175D3DCCD1}">
-              <a14:hiddenFill xmlns:a14="http://schemas.microsoft.com/office/drawing/2010/main">
+              <a14:hiddenFill xmlns:a14="http://schemas.microsoft.com/office/drawing/2010/main" xmlns="">
                 <a:solidFill>
                   <a:schemeClr val="accent1"/>
                 </a:solidFill>
               </a14:hiddenFill>
             </a:ext>
             <a:ext uri="{91240B29-F687-4F45-9708-019B960494DF}">
-              <a14:hiddenLine xmlns:a14="http://schemas.microsoft.com/office/drawing/2010/main" w="9525">
+              <a14:hiddenLine xmlns:a14="http://schemas.microsoft.com/office/drawing/2010/main" xmlns="" w="9525">
                 <a:solidFill>
                   <a:schemeClr val="tx1"/>
                 </a:solidFill>
@@ -8444,7 +8444,7 @@
               </a14:hiddenLine>
             </a:ext>
             <a:ext uri="{AF507438-7753-43E0-B8FC-AC1667EBCBE1}">
-              <a14:hiddenEffects xmlns:a14="http://schemas.microsoft.com/office/drawing/2010/main">
+              <a14:hiddenEffects xmlns:a14="http://schemas.microsoft.com/office/drawing/2010/main" xmlns="">
                 <a:effectLst>
                   <a:outerShdw dist="35921" dir="2700000" algn="ctr" rotWithShape="0">
                     <a:schemeClr val="bg2"/>
@@ -8458,7 +8458,7 @@
     </p:spTree>
     <p:extLst>
       <p:ext uri="{BB962C8B-B14F-4D97-AF65-F5344CB8AC3E}">
-        <p14:creationId xmlns:p14="http://schemas.microsoft.com/office/powerpoint/2010/main" val="4095284963"/>
+        <p14:creationId xmlns:p14="http://schemas.microsoft.com/office/powerpoint/2010/main" xmlns="" val="4095284963"/>
       </p:ext>
     </p:extLst>
   </p:cSld>
@@ -8724,7 +8724,7 @@
     </p:spTree>
     <p:extLst>
       <p:ext uri="{BB962C8B-B14F-4D97-AF65-F5344CB8AC3E}">
-        <p14:creationId xmlns:p14="http://schemas.microsoft.com/office/powerpoint/2010/main" val="1259000548"/>
+        <p14:creationId xmlns:p14="http://schemas.microsoft.com/office/powerpoint/2010/main" xmlns="" val="1259000548"/>
       </p:ext>
     </p:extLst>
   </p:cSld>
@@ -8980,6 +8980,17 @@
             <a:r>
               <a:rPr lang="en-US" dirty="0" smtClean="0">
                 <a:solidFill>
+                  <a:schemeClr val="accent5">
+                    <a:lumMod val="20000"/>
+                    <a:lumOff val="80000"/>
+                  </a:schemeClr>
+                </a:solidFill>
+              </a:rPr>
+              <a:t>()</a:t>
+            </a:r>
+            <a:r>
+              <a:rPr lang="en-US" dirty="0" smtClean="0">
+                <a:solidFill>
                   <a:srgbClr val="FFFFFF"/>
                 </a:solidFill>
               </a:rPr>
@@ -9394,7 +9405,7 @@
     </p:spTree>
     <p:extLst>
       <p:ext uri="{BB962C8B-B14F-4D97-AF65-F5344CB8AC3E}">
-        <p14:creationId xmlns:p14="http://schemas.microsoft.com/office/powerpoint/2010/main" val="630739841"/>
+        <p14:creationId xmlns:p14="http://schemas.microsoft.com/office/powerpoint/2010/main" xmlns="" val="630739841"/>
       </p:ext>
     </p:extLst>
   </p:cSld>
@@ -9526,7 +9537,7 @@
     </p:spTree>
     <p:extLst>
       <p:ext uri="{BB962C8B-B14F-4D97-AF65-F5344CB8AC3E}">
-        <p14:creationId xmlns:p14="http://schemas.microsoft.com/office/powerpoint/2010/main" val="3301337955"/>
+        <p14:creationId xmlns:p14="http://schemas.microsoft.com/office/powerpoint/2010/main" xmlns="" val="3301337955"/>
       </p:ext>
     </p:extLst>
   </p:cSld>
@@ -10299,7 +10310,7 @@
     </p:spTree>
     <p:extLst>
       <p:ext uri="{BB962C8B-B14F-4D97-AF65-F5344CB8AC3E}">
-        <p14:creationId xmlns:p14="http://schemas.microsoft.com/office/powerpoint/2010/main" val="4254870303"/>
+        <p14:creationId xmlns:p14="http://schemas.microsoft.com/office/powerpoint/2010/main" xmlns="" val="4254870303"/>
       </p:ext>
     </p:extLst>
   </p:cSld>
@@ -10529,7 +10540,7 @@
     </p:spTree>
     <p:extLst>
       <p:ext uri="{BB962C8B-B14F-4D97-AF65-F5344CB8AC3E}">
-        <p14:creationId xmlns:p14="http://schemas.microsoft.com/office/powerpoint/2010/main" val="4172635206"/>
+        <p14:creationId xmlns:p14="http://schemas.microsoft.com/office/powerpoint/2010/main" xmlns="" val="4172635206"/>
       </p:ext>
     </p:extLst>
   </p:cSld>
@@ -11483,10 +11494,10 @@
           <p:nvPr/>
         </p:nvPicPr>
         <p:blipFill>
-          <a:blip r:embed="rId2">
+          <a:blip r:embed="rId2" cstate="print">
             <a:extLst>
               <a:ext uri="{28A0092B-C50C-407E-A947-70E740481C1C}">
-                <a14:useLocalDpi xmlns:a14="http://schemas.microsoft.com/office/drawing/2010/main" val="0"/>
+                <a14:useLocalDpi xmlns:a14="http://schemas.microsoft.com/office/drawing/2010/main" xmlns="" val="0"/>
               </a:ext>
             </a:extLst>
           </a:blip>
@@ -11512,14 +11523,14 @@
           <a:effectLst/>
           <a:extLst>
             <a:ext uri="{909E8E84-426E-40DD-AFC4-6F175D3DCCD1}">
-              <a14:hiddenFill xmlns:a14="http://schemas.microsoft.com/office/drawing/2010/main">
+              <a14:hiddenFill xmlns:a14="http://schemas.microsoft.com/office/drawing/2010/main" xmlns="">
                 <a:solidFill>
                   <a:schemeClr val="accent1"/>
                 </a:solidFill>
               </a14:hiddenFill>
             </a:ext>
             <a:ext uri="{91240B29-F687-4F45-9708-019B960494DF}">
-              <a14:hiddenLine xmlns:a14="http://schemas.microsoft.com/office/drawing/2010/main" w="9525">
+              <a14:hiddenLine xmlns:a14="http://schemas.microsoft.com/office/drawing/2010/main" xmlns="" w="9525">
                 <a:solidFill>
                   <a:schemeClr val="tx1"/>
                 </a:solidFill>
@@ -11529,7 +11540,7 @@
               </a14:hiddenLine>
             </a:ext>
             <a:ext uri="{AF507438-7753-43E0-B8FC-AC1667EBCBE1}">
-              <a14:hiddenEffects xmlns:a14="http://schemas.microsoft.com/office/drawing/2010/main">
+              <a14:hiddenEffects xmlns:a14="http://schemas.microsoft.com/office/drawing/2010/main" xmlns="">
                 <a:effectLst>
                   <a:outerShdw dist="35921" dir="2700000" algn="ctr" rotWithShape="0">
                     <a:schemeClr val="bg2"/>
@@ -11543,7 +11554,7 @@
     </p:spTree>
     <p:extLst>
       <p:ext uri="{BB962C8B-B14F-4D97-AF65-F5344CB8AC3E}">
-        <p14:creationId xmlns:p14="http://schemas.microsoft.com/office/powerpoint/2010/main" val="940244380"/>
+        <p14:creationId xmlns:p14="http://schemas.microsoft.com/office/powerpoint/2010/main" xmlns="" val="940244380"/>
       </p:ext>
     </p:extLst>
   </p:cSld>
@@ -11662,7 +11673,7 @@
     </p:spTree>
     <p:extLst>
       <p:ext uri="{BB962C8B-B14F-4D97-AF65-F5344CB8AC3E}">
-        <p14:creationId xmlns:p14="http://schemas.microsoft.com/office/powerpoint/2010/main" val="1595630236"/>
+        <p14:creationId xmlns:p14="http://schemas.microsoft.com/office/powerpoint/2010/main" xmlns="" val="1595630236"/>
       </p:ext>
     </p:extLst>
   </p:cSld>
@@ -12527,7 +12538,7 @@
     </p:spTree>
     <p:extLst>
       <p:ext uri="{BB962C8B-B14F-4D97-AF65-F5344CB8AC3E}">
-        <p14:creationId xmlns:p14="http://schemas.microsoft.com/office/powerpoint/2010/main" val="901342136"/>
+        <p14:creationId xmlns:p14="http://schemas.microsoft.com/office/powerpoint/2010/main" xmlns="" val="901342136"/>
       </p:ext>
     </p:extLst>
   </p:cSld>
@@ -13377,7 +13388,7 @@
     </p:spTree>
     <p:extLst>
       <p:ext uri="{BB962C8B-B14F-4D97-AF65-F5344CB8AC3E}">
-        <p14:creationId xmlns:p14="http://schemas.microsoft.com/office/powerpoint/2010/main" val="22233889"/>
+        <p14:creationId xmlns:p14="http://schemas.microsoft.com/office/powerpoint/2010/main" xmlns="" val="22233889"/>
       </p:ext>
     </p:extLst>
   </p:cSld>
@@ -14414,7 +14425,7 @@
     </p:spTree>
     <p:extLst>
       <p:ext uri="{BB962C8B-B14F-4D97-AF65-F5344CB8AC3E}">
-        <p14:creationId xmlns:p14="http://schemas.microsoft.com/office/powerpoint/2010/main" val="235282034"/>
+        <p14:creationId xmlns:p14="http://schemas.microsoft.com/office/powerpoint/2010/main" xmlns="" val="235282034"/>
       </p:ext>
     </p:extLst>
   </p:cSld>
@@ -14513,10 +14524,10 @@
           <p:nvPr/>
         </p:nvPicPr>
         <p:blipFill>
-          <a:blip r:embed="rId2">
+          <a:blip r:embed="rId2" cstate="print">
             <a:extLst>
               <a:ext uri="{28A0092B-C50C-407E-A947-70E740481C1C}">
-                <a14:useLocalDpi xmlns:a14="http://schemas.microsoft.com/office/drawing/2010/main" val="0"/>
+                <a14:useLocalDpi xmlns:a14="http://schemas.microsoft.com/office/drawing/2010/main" xmlns="" val="0"/>
               </a:ext>
             </a:extLst>
           </a:blip>
@@ -14538,7 +14549,7 @@
           <a:noFill/>
           <a:extLst>
             <a:ext uri="{909E8E84-426E-40DD-AFC4-6F175D3DCCD1}">
-              <a14:hiddenFill xmlns:a14="http://schemas.microsoft.com/office/drawing/2010/main">
+              <a14:hiddenFill xmlns:a14="http://schemas.microsoft.com/office/drawing/2010/main" xmlns="">
                 <a:solidFill>
                   <a:srgbClr val="FFFFFF"/>
                 </a:solidFill>
@@ -14550,7 +14561,7 @@
     </p:spTree>
     <p:extLst>
       <p:ext uri="{BB962C8B-B14F-4D97-AF65-F5344CB8AC3E}">
-        <p14:creationId xmlns:p14="http://schemas.microsoft.com/office/powerpoint/2010/main" val="299493621"/>
+        <p14:creationId xmlns:p14="http://schemas.microsoft.com/office/powerpoint/2010/main" xmlns="" val="299493621"/>
       </p:ext>
     </p:extLst>
   </p:cSld>
@@ -15287,10 +15298,10 @@
           <p:nvPr/>
         </p:nvPicPr>
         <p:blipFill>
-          <a:blip r:embed="rId2">
+          <a:blip r:embed="rId2" cstate="print">
             <a:extLst>
               <a:ext uri="{28A0092B-C50C-407E-A947-70E740481C1C}">
-                <a14:useLocalDpi xmlns:a14="http://schemas.microsoft.com/office/drawing/2010/main" val="0"/>
+                <a14:useLocalDpi xmlns:a14="http://schemas.microsoft.com/office/drawing/2010/main" xmlns="" val="0"/>
               </a:ext>
             </a:extLst>
           </a:blip>
@@ -15310,7 +15321,7 @@
           <a:noFill/>
           <a:extLst>
             <a:ext uri="{909E8E84-426E-40DD-AFC4-6F175D3DCCD1}">
-              <a14:hiddenFill xmlns:a14="http://schemas.microsoft.com/office/drawing/2010/main">
+              <a14:hiddenFill xmlns:a14="http://schemas.microsoft.com/office/drawing/2010/main" xmlns="">
                 <a:solidFill>
                   <a:srgbClr val="FFFFFF"/>
                 </a:solidFill>
@@ -15322,7 +15333,7 @@
     </p:spTree>
     <p:extLst>
       <p:ext uri="{BB962C8B-B14F-4D97-AF65-F5344CB8AC3E}">
-        <p14:creationId xmlns:p14="http://schemas.microsoft.com/office/powerpoint/2010/main" val="1798373261"/>
+        <p14:creationId xmlns:p14="http://schemas.microsoft.com/office/powerpoint/2010/main" xmlns="" val="1798373261"/>
       </p:ext>
     </p:extLst>
   </p:cSld>
@@ -16229,7 +16240,7 @@
     </p:spTree>
     <p:extLst>
       <p:ext uri="{BB962C8B-B14F-4D97-AF65-F5344CB8AC3E}">
-        <p14:creationId xmlns:p14="http://schemas.microsoft.com/office/powerpoint/2010/main" val="2160614571"/>
+        <p14:creationId xmlns:p14="http://schemas.microsoft.com/office/powerpoint/2010/main" xmlns="" val="2160614571"/>
       </p:ext>
     </p:extLst>
   </p:cSld>
@@ -16872,10 +16883,10 @@
           <p:nvPr/>
         </p:nvPicPr>
         <p:blipFill>
-          <a:blip r:embed="rId2">
+          <a:blip r:embed="rId2" cstate="print">
             <a:extLst>
               <a:ext uri="{28A0092B-C50C-407E-A947-70E740481C1C}">
-                <a14:useLocalDpi xmlns:a14="http://schemas.microsoft.com/office/drawing/2010/main" val="0"/>
+                <a14:useLocalDpi xmlns:a14="http://schemas.microsoft.com/office/drawing/2010/main" xmlns="" val="0"/>
               </a:ext>
             </a:extLst>
           </a:blip>
@@ -16895,7 +16906,7 @@
           <a:noFill/>
           <a:extLst>
             <a:ext uri="{909E8E84-426E-40DD-AFC4-6F175D3DCCD1}">
-              <a14:hiddenFill xmlns:a14="http://schemas.microsoft.com/office/drawing/2010/main">
+              <a14:hiddenFill xmlns:a14="http://schemas.microsoft.com/office/drawing/2010/main" xmlns="">
                 <a:solidFill>
                   <a:srgbClr val="FFFFFF"/>
                 </a:solidFill>
@@ -16907,7 +16918,7 @@
     </p:spTree>
     <p:extLst>
       <p:ext uri="{BB962C8B-B14F-4D97-AF65-F5344CB8AC3E}">
-        <p14:creationId xmlns:p14="http://schemas.microsoft.com/office/powerpoint/2010/main" val="521274123"/>
+        <p14:creationId xmlns:p14="http://schemas.microsoft.com/office/powerpoint/2010/main" xmlns="" val="521274123"/>
       </p:ext>
     </p:extLst>
   </p:cSld>
@@ -17898,10 +17909,10 @@
           <p:nvPr/>
         </p:nvPicPr>
         <p:blipFill>
-          <a:blip r:embed="rId2">
+          <a:blip r:embed="rId2" cstate="print">
             <a:extLst>
               <a:ext uri="{28A0092B-C50C-407E-A947-70E740481C1C}">
-                <a14:useLocalDpi xmlns:a14="http://schemas.microsoft.com/office/drawing/2010/main" val="0"/>
+                <a14:useLocalDpi xmlns:a14="http://schemas.microsoft.com/office/drawing/2010/main" xmlns="" val="0"/>
               </a:ext>
             </a:extLst>
           </a:blip>
@@ -17921,7 +17932,7 @@
           <a:noFill/>
           <a:extLst>
             <a:ext uri="{909E8E84-426E-40DD-AFC4-6F175D3DCCD1}">
-              <a14:hiddenFill xmlns:a14="http://schemas.microsoft.com/office/drawing/2010/main">
+              <a14:hiddenFill xmlns:a14="http://schemas.microsoft.com/office/drawing/2010/main" xmlns="">
                 <a:solidFill>
                   <a:srgbClr val="FFFFFF"/>
                 </a:solidFill>
@@ -17933,7 +17944,7 @@
     </p:spTree>
     <p:extLst>
       <p:ext uri="{BB962C8B-B14F-4D97-AF65-F5344CB8AC3E}">
-        <p14:creationId xmlns:p14="http://schemas.microsoft.com/office/powerpoint/2010/main" val="1728305016"/>
+        <p14:creationId xmlns:p14="http://schemas.microsoft.com/office/powerpoint/2010/main" xmlns="" val="1728305016"/>
       </p:ext>
     </p:extLst>
   </p:cSld>
@@ -18032,10 +18043,10 @@
           <p:nvPr/>
         </p:nvPicPr>
         <p:blipFill>
-          <a:blip r:embed="rId2">
+          <a:blip r:embed="rId2" cstate="print">
             <a:extLst>
               <a:ext uri="{28A0092B-C50C-407E-A947-70E740481C1C}">
-                <a14:useLocalDpi xmlns:a14="http://schemas.microsoft.com/office/drawing/2010/main" val="0"/>
+                <a14:useLocalDpi xmlns:a14="http://schemas.microsoft.com/office/drawing/2010/main" xmlns="" val="0"/>
               </a:ext>
             </a:extLst>
           </a:blip>
@@ -18058,7 +18069,7 @@
     </p:spTree>
     <p:extLst>
       <p:ext uri="{BB962C8B-B14F-4D97-AF65-F5344CB8AC3E}">
-        <p14:creationId xmlns:p14="http://schemas.microsoft.com/office/powerpoint/2010/main" val="1637181242"/>
+        <p14:creationId xmlns:p14="http://schemas.microsoft.com/office/powerpoint/2010/main" xmlns="" val="1637181242"/>
       </p:ext>
     </p:extLst>
   </p:cSld>
@@ -18988,7 +18999,7 @@
     </p:spTree>
     <p:extLst>
       <p:ext uri="{BB962C8B-B14F-4D97-AF65-F5344CB8AC3E}">
-        <p14:creationId xmlns:p14="http://schemas.microsoft.com/office/powerpoint/2010/main" val="2697045979"/>
+        <p14:creationId xmlns:p14="http://schemas.microsoft.com/office/powerpoint/2010/main" xmlns="" val="2697045979"/>
       </p:ext>
     </p:extLst>
   </p:cSld>
@@ -19175,7 +19186,7 @@
         <p:spPr bwMode="auto">
           <a:xfrm>
             <a:off x="684213" y="1752600"/>
-            <a:ext cx="7777162" cy="4832092"/>
+            <a:ext cx="7777162" cy="4493538"/>
           </a:xfrm>
           <a:prstGeom prst="rect">
             <a:avLst/>
@@ -19446,6 +19457,51 @@
               </a:rPr>
               <a:t>++)</a:t>
             </a:r>
+            <a:endParaRPr lang="bg-BG" sz="2200" b="1" noProof="1" smtClean="0">
+              <a:solidFill>
+                <a:srgbClr val="8CF4F2"/>
+              </a:solidFill>
+              <a:effectLst>
+                <a:outerShdw blurRad="38100" dist="38100" dir="2700000" algn="tl">
+                  <a:srgbClr val="000000">
+                    <a:alpha val="43137"/>
+                  </a:srgbClr>
+                </a:outerShdw>
+              </a:effectLst>
+              <a:latin typeface="Consolas" pitchFamily="49" charset="0"/>
+              <a:cs typeface="Consolas" pitchFamily="49" charset="0"/>
+            </a:endParaRPr>
+          </a:p>
+          <a:p>
+            <a:pPr eaLnBrk="0" hangingPunct="0">
+              <a:spcBef>
+                <a:spcPts val="0"/>
+              </a:spcBef>
+              <a:buClr>
+                <a:schemeClr val="accent5">
+                  <a:lumMod val="40000"/>
+                  <a:lumOff val="60000"/>
+                </a:schemeClr>
+              </a:buClr>
+              <a:buSzPct val="70000"/>
+            </a:pPr>
+            <a:r>
+              <a:rPr lang="en-US" sz="2200" b="1" noProof="1" smtClean="0">
+                <a:solidFill>
+                  <a:srgbClr val="8CF4F2"/>
+                </a:solidFill>
+                <a:effectLst>
+                  <a:outerShdw blurRad="38100" dist="38100" dir="2700000" algn="tl">
+                    <a:srgbClr val="000000">
+                      <a:alpha val="43137"/>
+                    </a:srgbClr>
+                  </a:outerShdw>
+                </a:effectLst>
+                <a:latin typeface="Consolas" pitchFamily="49" charset="0"/>
+                <a:cs typeface="Consolas" pitchFamily="49" charset="0"/>
+              </a:rPr>
+              <a:t>{</a:t>
+            </a:r>
             <a:endParaRPr lang="en-US" sz="2200" b="1" noProof="1">
               <a:solidFill>
                 <a:srgbClr val="8CF4F2"/>
@@ -19489,7 +19545,7 @@
                 <a:latin typeface="Consolas" pitchFamily="49" charset="0"/>
                 <a:cs typeface="Consolas" pitchFamily="49" charset="0"/>
               </a:rPr>
-              <a:t>    if </a:t>
+              <a:t>     </a:t>
             </a:r>
             <a:r>
               <a:rPr lang="en-US" sz="2200" b="1" noProof="1" smtClean="0">
@@ -19506,7 +19562,24 @@
                 <a:latin typeface="Consolas" pitchFamily="49" charset="0"/>
                 <a:cs typeface="Consolas" pitchFamily="49" charset="0"/>
               </a:rPr>
-              <a:t>(number </a:t>
+              <a:t>int </a:t>
+            </a:r>
+            <a:r>
+              <a:rPr lang="en-US" sz="2200" b="1" noProof="1" smtClean="0">
+                <a:solidFill>
+                  <a:srgbClr val="8CF4F2"/>
+                </a:solidFill>
+                <a:effectLst>
+                  <a:outerShdw blurRad="38100" dist="38100" dir="2700000" algn="tl">
+                    <a:srgbClr val="000000">
+                      <a:alpha val="43137"/>
+                    </a:srgbClr>
+                  </a:outerShdw>
+                </a:effectLst>
+                <a:latin typeface="Consolas" pitchFamily="49" charset="0"/>
+                <a:cs typeface="Consolas" pitchFamily="49" charset="0"/>
+              </a:rPr>
+              <a:t>counter </a:t>
             </a:r>
             <a:r>
               <a:rPr lang="en-US" sz="2200" b="1" noProof="1">
@@ -19523,7 +19596,7 @@
                 <a:latin typeface="Consolas" pitchFamily="49" charset="0"/>
                 <a:cs typeface="Consolas" pitchFamily="49" charset="0"/>
               </a:rPr>
-              <a:t>% b == 0)</a:t>
+              <a:t>= 0;</a:t>
             </a:r>
           </a:p>
           <a:p>
@@ -19554,7 +19627,92 @@
                 <a:latin typeface="Consolas" pitchFamily="49" charset="0"/>
                 <a:cs typeface="Consolas" pitchFamily="49" charset="0"/>
               </a:rPr>
-              <a:t>    {</a:t>
+              <a:t>     </a:t>
+            </a:r>
+            <a:r>
+              <a:rPr lang="en-US" sz="2200" b="1" noProof="1" smtClean="0">
+                <a:solidFill>
+                  <a:srgbClr val="8CF4F2"/>
+                </a:solidFill>
+                <a:effectLst>
+                  <a:outerShdw blurRad="38100" dist="38100" dir="2700000" algn="tl">
+                    <a:srgbClr val="000000">
+                      <a:alpha val="43137"/>
+                    </a:srgbClr>
+                  </a:outerShdw>
+                </a:effectLst>
+                <a:latin typeface="Consolas" pitchFamily="49" charset="0"/>
+                <a:cs typeface="Consolas" pitchFamily="49" charset="0"/>
+              </a:rPr>
+              <a:t>while </a:t>
+            </a:r>
+            <a:r>
+              <a:rPr lang="en-US" sz="2200" b="1" noProof="1" smtClean="0">
+                <a:solidFill>
+                  <a:srgbClr val="8CF4F2"/>
+                </a:solidFill>
+                <a:effectLst>
+                  <a:outerShdw blurRad="38100" dist="38100" dir="2700000" algn="tl">
+                    <a:srgbClr val="000000">
+                      <a:alpha val="43137"/>
+                    </a:srgbClr>
+                  </a:outerShdw>
+                </a:effectLst>
+                <a:latin typeface="Consolas" pitchFamily="49" charset="0"/>
+                <a:cs typeface="Consolas" pitchFamily="49" charset="0"/>
+              </a:rPr>
+              <a:t>(number </a:t>
+            </a:r>
+            <a:r>
+              <a:rPr lang="en-US" sz="2200" b="1" noProof="1">
+                <a:solidFill>
+                  <a:srgbClr val="8CF4F2"/>
+                </a:solidFill>
+                <a:effectLst>
+                  <a:outerShdw blurRad="38100" dist="38100" dir="2700000" algn="tl">
+                    <a:srgbClr val="000000">
+                      <a:alpha val="43137"/>
+                    </a:srgbClr>
+                  </a:outerShdw>
+                </a:effectLst>
+                <a:latin typeface="Consolas" pitchFamily="49" charset="0"/>
+                <a:cs typeface="Consolas" pitchFamily="49" charset="0"/>
+              </a:rPr>
+              <a:t>% factor</a:t>
+            </a:r>
+            <a:r>
+              <a:rPr lang="en-US" sz="2200" b="1" noProof="1" smtClean="0">
+                <a:solidFill>
+                  <a:srgbClr val="8CF4F2"/>
+                </a:solidFill>
+                <a:effectLst>
+                  <a:outerShdw blurRad="38100" dist="38100" dir="2700000" algn="tl">
+                    <a:srgbClr val="000000">
+                      <a:alpha val="43137"/>
+                    </a:srgbClr>
+                  </a:outerShdw>
+                </a:effectLst>
+                <a:latin typeface="Consolas" pitchFamily="49" charset="0"/>
+                <a:cs typeface="Consolas" pitchFamily="49" charset="0"/>
+              </a:rPr>
+              <a:t> </a:t>
+            </a:r>
+            <a:r>
+              <a:rPr lang="en-US" sz="2200" b="1" noProof="1">
+                <a:solidFill>
+                  <a:srgbClr val="8CF4F2"/>
+                </a:solidFill>
+                <a:effectLst>
+                  <a:outerShdw blurRad="38100" dist="38100" dir="2700000" algn="tl">
+                    <a:srgbClr val="000000">
+                      <a:alpha val="43137"/>
+                    </a:srgbClr>
+                  </a:outerShdw>
+                </a:effectLst>
+                <a:latin typeface="Consolas" pitchFamily="49" charset="0"/>
+                <a:cs typeface="Consolas" pitchFamily="49" charset="0"/>
+              </a:rPr>
+              <a:t>== 0)</a:t>
             </a:r>
           </a:p>
           <a:p>
@@ -19585,7 +19743,7 @@
                 <a:latin typeface="Consolas" pitchFamily="49" charset="0"/>
                 <a:cs typeface="Consolas" pitchFamily="49" charset="0"/>
               </a:rPr>
-              <a:t>        int </a:t>
+              <a:t>     </a:t>
             </a:r>
             <a:r>
               <a:rPr lang="en-US" sz="2200" b="1" noProof="1" smtClean="0">
@@ -19602,236 +19760,7 @@
                 <a:latin typeface="Consolas" pitchFamily="49" charset="0"/>
                 <a:cs typeface="Consolas" pitchFamily="49" charset="0"/>
               </a:rPr>
-              <a:t>counter </a:t>
-            </a:r>
-            <a:r>
-              <a:rPr lang="en-US" sz="2200" b="1" noProof="1">
-                <a:solidFill>
-                  <a:srgbClr val="8CF4F2"/>
-                </a:solidFill>
-                <a:effectLst>
-                  <a:outerShdw blurRad="38100" dist="38100" dir="2700000" algn="tl">
-                    <a:srgbClr val="000000">
-                      <a:alpha val="43137"/>
-                    </a:srgbClr>
-                  </a:outerShdw>
-                </a:effectLst>
-                <a:latin typeface="Consolas" pitchFamily="49" charset="0"/>
-                <a:cs typeface="Consolas" pitchFamily="49" charset="0"/>
-              </a:rPr>
-              <a:t>= 0;</a:t>
-            </a:r>
-          </a:p>
-          <a:p>
-            <a:pPr eaLnBrk="0" hangingPunct="0">
-              <a:spcBef>
-                <a:spcPts val="0"/>
-              </a:spcBef>
-              <a:buClr>
-                <a:schemeClr val="accent5">
-                  <a:lumMod val="40000"/>
-                  <a:lumOff val="60000"/>
-                </a:schemeClr>
-              </a:buClr>
-              <a:buSzPct val="70000"/>
-            </a:pPr>
-            <a:r>
-              <a:rPr lang="en-US" sz="2200" b="1" noProof="1">
-                <a:solidFill>
-                  <a:srgbClr val="8CF4F2"/>
-                </a:solidFill>
-                <a:effectLst>
-                  <a:outerShdw blurRad="38100" dist="38100" dir="2700000" algn="tl">
-                    <a:srgbClr val="000000">
-                      <a:alpha val="43137"/>
-                    </a:srgbClr>
-                  </a:outerShdw>
-                </a:effectLst>
-                <a:latin typeface="Consolas" pitchFamily="49" charset="0"/>
-                <a:cs typeface="Consolas" pitchFamily="49" charset="0"/>
-              </a:rPr>
-              <a:t>        while </a:t>
-            </a:r>
-            <a:r>
-              <a:rPr lang="en-US" sz="2200" b="1" noProof="1" smtClean="0">
-                <a:solidFill>
-                  <a:srgbClr val="8CF4F2"/>
-                </a:solidFill>
-                <a:effectLst>
-                  <a:outerShdw blurRad="38100" dist="38100" dir="2700000" algn="tl">
-                    <a:srgbClr val="000000">
-                      <a:alpha val="43137"/>
-                    </a:srgbClr>
-                  </a:outerShdw>
-                </a:effectLst>
-                <a:latin typeface="Consolas" pitchFamily="49" charset="0"/>
-                <a:cs typeface="Consolas" pitchFamily="49" charset="0"/>
-              </a:rPr>
-              <a:t>(number </a:t>
-            </a:r>
-            <a:r>
-              <a:rPr lang="en-US" sz="2200" b="1" noProof="1">
-                <a:solidFill>
-                  <a:srgbClr val="8CF4F2"/>
-                </a:solidFill>
-                <a:effectLst>
-                  <a:outerShdw blurRad="38100" dist="38100" dir="2700000" algn="tl">
-                    <a:srgbClr val="000000">
-                      <a:alpha val="43137"/>
-                    </a:srgbClr>
-                  </a:outerShdw>
-                </a:effectLst>
-                <a:latin typeface="Consolas" pitchFamily="49" charset="0"/>
-                <a:cs typeface="Consolas" pitchFamily="49" charset="0"/>
-              </a:rPr>
-              <a:t>% factor</a:t>
-            </a:r>
-            <a:r>
-              <a:rPr lang="en-US" sz="2200" b="1" noProof="1" smtClean="0">
-                <a:solidFill>
-                  <a:srgbClr val="8CF4F2"/>
-                </a:solidFill>
-                <a:effectLst>
-                  <a:outerShdw blurRad="38100" dist="38100" dir="2700000" algn="tl">
-                    <a:srgbClr val="000000">
-                      <a:alpha val="43137"/>
-                    </a:srgbClr>
-                  </a:outerShdw>
-                </a:effectLst>
-                <a:latin typeface="Consolas" pitchFamily="49" charset="0"/>
-                <a:cs typeface="Consolas" pitchFamily="49" charset="0"/>
-              </a:rPr>
-              <a:t> </a:t>
-            </a:r>
-            <a:r>
-              <a:rPr lang="en-US" sz="2200" b="1" noProof="1">
-                <a:solidFill>
-                  <a:srgbClr val="8CF4F2"/>
-                </a:solidFill>
-                <a:effectLst>
-                  <a:outerShdw blurRad="38100" dist="38100" dir="2700000" algn="tl">
-                    <a:srgbClr val="000000">
-                      <a:alpha val="43137"/>
-                    </a:srgbClr>
-                  </a:outerShdw>
-                </a:effectLst>
-                <a:latin typeface="Consolas" pitchFamily="49" charset="0"/>
-                <a:cs typeface="Consolas" pitchFamily="49" charset="0"/>
-              </a:rPr>
-              <a:t>== 0)</a:t>
-            </a:r>
-          </a:p>
-          <a:p>
-            <a:pPr eaLnBrk="0" hangingPunct="0">
-              <a:spcBef>
-                <a:spcPts val="0"/>
-              </a:spcBef>
-              <a:buClr>
-                <a:schemeClr val="accent5">
-                  <a:lumMod val="40000"/>
-                  <a:lumOff val="60000"/>
-                </a:schemeClr>
-              </a:buClr>
-              <a:buSzPct val="70000"/>
-            </a:pPr>
-            <a:r>
-              <a:rPr lang="en-US" sz="2200" b="1" noProof="1">
-                <a:solidFill>
-                  <a:srgbClr val="8CF4F2"/>
-                </a:solidFill>
-                <a:effectLst>
-                  <a:outerShdw blurRad="38100" dist="38100" dir="2700000" algn="tl">
-                    <a:srgbClr val="000000">
-                      <a:alpha val="43137"/>
-                    </a:srgbClr>
-                  </a:outerShdw>
-                </a:effectLst>
-                <a:latin typeface="Consolas" pitchFamily="49" charset="0"/>
-                <a:cs typeface="Consolas" pitchFamily="49" charset="0"/>
-              </a:rPr>
-              <a:t>        {</a:t>
-            </a:r>
-          </a:p>
-          <a:p>
-            <a:pPr eaLnBrk="0" hangingPunct="0">
-              <a:spcBef>
-                <a:spcPts val="0"/>
-              </a:spcBef>
-              <a:buClr>
-                <a:schemeClr val="accent5">
-                  <a:lumMod val="40000"/>
-                  <a:lumOff val="60000"/>
-                </a:schemeClr>
-              </a:buClr>
-              <a:buSzPct val="70000"/>
-            </a:pPr>
-            <a:r>
-              <a:rPr lang="en-US" sz="2200" b="1" noProof="1">
-                <a:solidFill>
-                  <a:srgbClr val="8CF4F2"/>
-                </a:solidFill>
-                <a:effectLst>
-                  <a:outerShdw blurRad="38100" dist="38100" dir="2700000" algn="tl">
-                    <a:srgbClr val="000000">
-                      <a:alpha val="43137"/>
-                    </a:srgbClr>
-                  </a:outerShdw>
-                </a:effectLst>
-                <a:latin typeface="Consolas" pitchFamily="49" charset="0"/>
-                <a:cs typeface="Consolas" pitchFamily="49" charset="0"/>
-              </a:rPr>
-              <a:t>            </a:t>
-            </a:r>
-            <a:r>
-              <a:rPr lang="en-US" sz="2200" b="1" noProof="1" smtClean="0">
-                <a:solidFill>
-                  <a:srgbClr val="8CF4F2"/>
-                </a:solidFill>
-                <a:effectLst>
-                  <a:outerShdw blurRad="38100" dist="38100" dir="2700000" algn="tl">
-                    <a:srgbClr val="000000">
-                      <a:alpha val="43137"/>
-                    </a:srgbClr>
-                  </a:outerShdw>
-                </a:effectLst>
-                <a:latin typeface="Consolas" pitchFamily="49" charset="0"/>
-                <a:cs typeface="Consolas" pitchFamily="49" charset="0"/>
-              </a:rPr>
-              <a:t>number </a:t>
-            </a:r>
-            <a:r>
-              <a:rPr lang="en-US" sz="2200" b="1" noProof="1">
-                <a:solidFill>
-                  <a:srgbClr val="8CF4F2"/>
-                </a:solidFill>
-                <a:effectLst>
-                  <a:outerShdw blurRad="38100" dist="38100" dir="2700000" algn="tl">
-                    <a:srgbClr val="000000">
-                      <a:alpha val="43137"/>
-                    </a:srgbClr>
-                  </a:outerShdw>
-                </a:effectLst>
-                <a:latin typeface="Consolas" pitchFamily="49" charset="0"/>
-                <a:cs typeface="Consolas" pitchFamily="49" charset="0"/>
-              </a:rPr>
-              <a:t>/= factor</a:t>
-            </a:r>
-            <a:r>
-              <a:rPr lang="en-US" sz="2200" b="1" noProof="1" smtClean="0">
-                <a:solidFill>
-                  <a:srgbClr val="8CF4F2"/>
-                </a:solidFill>
-                <a:effectLst>
-                  <a:outerShdw blurRad="38100" dist="38100" dir="2700000" algn="tl">
-                    <a:srgbClr val="000000">
-                      <a:alpha val="43137"/>
-                    </a:srgbClr>
-                  </a:outerShdw>
-                </a:effectLst>
-                <a:latin typeface="Consolas" pitchFamily="49" charset="0"/>
-                <a:cs typeface="Consolas" pitchFamily="49" charset="0"/>
-              </a:rPr>
-              <a:t>;</a:t>
+              <a:t>{</a:t>
             </a:r>
             <a:endParaRPr lang="en-US" sz="2200" b="1" noProof="1">
               <a:solidFill>
@@ -19876,7 +19805,7 @@
                 <a:latin typeface="Consolas" pitchFamily="49" charset="0"/>
                 <a:cs typeface="Consolas" pitchFamily="49" charset="0"/>
               </a:rPr>
-              <a:t>            </a:t>
+              <a:t>         </a:t>
             </a:r>
             <a:r>
               <a:rPr lang="en-US" sz="2200" b="1" noProof="1" smtClean="0">
@@ -19893,7 +19822,41 @@
                 <a:latin typeface="Consolas" pitchFamily="49" charset="0"/>
                 <a:cs typeface="Consolas" pitchFamily="49" charset="0"/>
               </a:rPr>
-              <a:t>counter++;</a:t>
+              <a:t>number </a:t>
+            </a:r>
+            <a:r>
+              <a:rPr lang="en-US" sz="2200" b="1" noProof="1">
+                <a:solidFill>
+                  <a:srgbClr val="8CF4F2"/>
+                </a:solidFill>
+                <a:effectLst>
+                  <a:outerShdw blurRad="38100" dist="38100" dir="2700000" algn="tl">
+                    <a:srgbClr val="000000">
+                      <a:alpha val="43137"/>
+                    </a:srgbClr>
+                  </a:outerShdw>
+                </a:effectLst>
+                <a:latin typeface="Consolas" pitchFamily="49" charset="0"/>
+                <a:cs typeface="Consolas" pitchFamily="49" charset="0"/>
+              </a:rPr>
+              <a:t>/= factor</a:t>
+            </a:r>
+            <a:r>
+              <a:rPr lang="en-US" sz="2200" b="1" noProof="1" smtClean="0">
+                <a:solidFill>
+                  <a:srgbClr val="8CF4F2"/>
+                </a:solidFill>
+                <a:effectLst>
+                  <a:outerShdw blurRad="38100" dist="38100" dir="2700000" algn="tl">
+                    <a:srgbClr val="000000">
+                      <a:alpha val="43137"/>
+                    </a:srgbClr>
+                  </a:outerShdw>
+                </a:effectLst>
+                <a:latin typeface="Consolas" pitchFamily="49" charset="0"/>
+                <a:cs typeface="Consolas" pitchFamily="49" charset="0"/>
+              </a:rPr>
+              <a:t>;</a:t>
             </a:r>
             <a:endParaRPr lang="en-US" sz="2200" b="1" noProof="1">
               <a:solidFill>
@@ -19938,24 +19901,10 @@
                 <a:latin typeface="Consolas" pitchFamily="49" charset="0"/>
                 <a:cs typeface="Consolas" pitchFamily="49" charset="0"/>
               </a:rPr>
-              <a:t>        }</a:t>
-            </a:r>
-          </a:p>
-          <a:p>
-            <a:pPr eaLnBrk="0" hangingPunct="0">
-              <a:spcBef>
-                <a:spcPts val="0"/>
-              </a:spcBef>
-              <a:buClr>
-                <a:schemeClr val="accent5">
-                  <a:lumMod val="40000"/>
-                  <a:lumOff val="60000"/>
-                </a:schemeClr>
-              </a:buClr>
-              <a:buSzPct val="70000"/>
-            </a:pPr>
-            <a:r>
-              <a:rPr lang="en-US" sz="2200" b="1" noProof="1">
+              <a:t>         </a:t>
+            </a:r>
+            <a:r>
+              <a:rPr lang="en-US" sz="2200" b="1" noProof="1" smtClean="0">
                 <a:solidFill>
                   <a:srgbClr val="8CF4F2"/>
                 </a:solidFill>
@@ -19969,7 +19918,7 @@
                 <a:latin typeface="Consolas" pitchFamily="49" charset="0"/>
                 <a:cs typeface="Consolas" pitchFamily="49" charset="0"/>
               </a:rPr>
-              <a:t>        </a:t>
+              <a:t>counter</a:t>
             </a:r>
             <a:r>
               <a:rPr lang="en-US" sz="2200" b="1" noProof="1" smtClean="0">
@@ -19986,89 +19935,7 @@
                 <a:latin typeface="Consolas" pitchFamily="49" charset="0"/>
                 <a:cs typeface="Consolas" pitchFamily="49" charset="0"/>
               </a:rPr>
-              <a:t>Console.WriteLine("{0} -&gt; {</a:t>
-            </a:r>
-            <a:r>
-              <a:rPr lang="en-US" sz="2200" b="1" noProof="1">
-                <a:solidFill>
-                  <a:srgbClr val="8CF4F2"/>
-                </a:solidFill>
-                <a:effectLst>
-                  <a:outerShdw blurRad="38100" dist="38100" dir="2700000" algn="tl">
-                    <a:srgbClr val="000000">
-                      <a:alpha val="43137"/>
-                    </a:srgbClr>
-                  </a:outerShdw>
-                </a:effectLst>
-                <a:latin typeface="Consolas" pitchFamily="49" charset="0"/>
-                <a:cs typeface="Consolas" pitchFamily="49" charset="0"/>
-              </a:rPr>
-              <a:t>1</a:t>
-            </a:r>
-            <a:r>
-              <a:rPr lang="en-US" sz="2200" b="1" noProof="1" smtClean="0">
-                <a:solidFill>
-                  <a:srgbClr val="8CF4F2"/>
-                </a:solidFill>
-                <a:effectLst>
-                  <a:outerShdw blurRad="38100" dist="38100" dir="2700000" algn="tl">
-                    <a:srgbClr val="000000">
-                      <a:alpha val="43137"/>
-                    </a:srgbClr>
-                  </a:outerShdw>
-                </a:effectLst>
-                <a:latin typeface="Consolas" pitchFamily="49" charset="0"/>
-                <a:cs typeface="Consolas" pitchFamily="49" charset="0"/>
-              </a:rPr>
-              <a:t>}", </a:t>
-            </a:r>
-          </a:p>
-          <a:p>
-            <a:pPr eaLnBrk="0" hangingPunct="0">
-              <a:spcBef>
-                <a:spcPts val="0"/>
-              </a:spcBef>
-              <a:buClr>
-                <a:schemeClr val="accent5">
-                  <a:lumMod val="40000"/>
-                  <a:lumOff val="60000"/>
-                </a:schemeClr>
-              </a:buClr>
-              <a:buSzPct val="70000"/>
-            </a:pPr>
-            <a:r>
-              <a:rPr lang="en-US" sz="2200" b="1" noProof="1">
-                <a:solidFill>
-                  <a:srgbClr val="8CF4F2"/>
-                </a:solidFill>
-                <a:effectLst>
-                  <a:outerShdw blurRad="38100" dist="38100" dir="2700000" algn="tl">
-                    <a:srgbClr val="000000">
-                      <a:alpha val="43137"/>
-                    </a:srgbClr>
-                  </a:outerShdw>
-                </a:effectLst>
-                <a:latin typeface="Consolas" pitchFamily="49" charset="0"/>
-                <a:cs typeface="Consolas" pitchFamily="49" charset="0"/>
-              </a:rPr>
-              <a:t> </a:t>
-            </a:r>
-            <a:r>
-              <a:rPr lang="en-US" sz="2200" b="1" noProof="1" smtClean="0">
-                <a:solidFill>
-                  <a:srgbClr val="8CF4F2"/>
-                </a:solidFill>
-                <a:effectLst>
-                  <a:outerShdw blurRad="38100" dist="38100" dir="2700000" algn="tl">
-                    <a:srgbClr val="000000">
-                      <a:alpha val="43137"/>
-                    </a:srgbClr>
-                  </a:outerShdw>
-                </a:effectLst>
-                <a:latin typeface="Consolas" pitchFamily="49" charset="0"/>
-                <a:cs typeface="Consolas" pitchFamily="49" charset="0"/>
-              </a:rPr>
-              <a:t>           factor, counter);</a:t>
+              <a:t>++;</a:t>
             </a:r>
             <a:endParaRPr lang="en-US" sz="2200" b="1" noProof="1">
               <a:solidFill>
@@ -20113,15 +19980,283 @@
                 <a:latin typeface="Consolas" pitchFamily="49" charset="0"/>
                 <a:cs typeface="Consolas" pitchFamily="49" charset="0"/>
               </a:rPr>
-              <a:t>    }</a:t>
-            </a:r>
+              <a:t>     </a:t>
+            </a:r>
+            <a:r>
+              <a:rPr lang="en-US" sz="2200" b="1" noProof="1" smtClean="0">
+                <a:solidFill>
+                  <a:srgbClr val="8CF4F2"/>
+                </a:solidFill>
+                <a:effectLst>
+                  <a:outerShdw blurRad="38100" dist="38100" dir="2700000" algn="tl">
+                    <a:srgbClr val="000000">
+                      <a:alpha val="43137"/>
+                    </a:srgbClr>
+                  </a:outerShdw>
+                </a:effectLst>
+                <a:latin typeface="Consolas" pitchFamily="49" charset="0"/>
+                <a:cs typeface="Consolas" pitchFamily="49" charset="0"/>
+              </a:rPr>
+              <a:t>}</a:t>
+            </a:r>
+            <a:endParaRPr lang="en-US" sz="2200" b="1" noProof="1">
+              <a:solidFill>
+                <a:srgbClr val="8CF4F2"/>
+              </a:solidFill>
+              <a:effectLst>
+                <a:outerShdw blurRad="38100" dist="38100" dir="2700000" algn="tl">
+                  <a:srgbClr val="000000">
+                    <a:alpha val="43137"/>
+                  </a:srgbClr>
+                </a:outerShdw>
+              </a:effectLst>
+              <a:latin typeface="Consolas" pitchFamily="49" charset="0"/>
+              <a:cs typeface="Consolas" pitchFamily="49" charset="0"/>
+            </a:endParaRPr>
+          </a:p>
+          <a:p>
+            <a:pPr eaLnBrk="0" hangingPunct="0">
+              <a:spcBef>
+                <a:spcPts val="0"/>
+              </a:spcBef>
+              <a:buClr>
+                <a:schemeClr val="accent5">
+                  <a:lumMod val="40000"/>
+                  <a:lumOff val="60000"/>
+                </a:schemeClr>
+              </a:buClr>
+              <a:buSzPct val="70000"/>
+            </a:pPr>
+            <a:r>
+              <a:rPr lang="en-US" sz="2200" b="1" noProof="1">
+                <a:solidFill>
+                  <a:srgbClr val="8CF4F2"/>
+                </a:solidFill>
+                <a:effectLst>
+                  <a:outerShdw blurRad="38100" dist="38100" dir="2700000" algn="tl">
+                    <a:srgbClr val="000000">
+                      <a:alpha val="43137"/>
+                    </a:srgbClr>
+                  </a:outerShdw>
+                </a:effectLst>
+                <a:latin typeface="Consolas" pitchFamily="49" charset="0"/>
+                <a:cs typeface="Consolas" pitchFamily="49" charset="0"/>
+              </a:rPr>
+              <a:t>     </a:t>
+            </a:r>
+            <a:r>
+              <a:rPr lang="en-US" sz="2200" b="1" noProof="1" smtClean="0">
+                <a:solidFill>
+                  <a:srgbClr val="8CF4F2"/>
+                </a:solidFill>
+                <a:effectLst>
+                  <a:outerShdw blurRad="38100" dist="38100" dir="2700000" algn="tl">
+                    <a:srgbClr val="000000">
+                      <a:alpha val="43137"/>
+                    </a:srgbClr>
+                  </a:outerShdw>
+                </a:effectLst>
+                <a:latin typeface="Consolas" pitchFamily="49" charset="0"/>
+                <a:cs typeface="Consolas" pitchFamily="49" charset="0"/>
+              </a:rPr>
+              <a:t>Console.WriteLine</a:t>
+            </a:r>
+            <a:r>
+              <a:rPr lang="en-US" sz="2200" b="1" noProof="1" smtClean="0">
+                <a:solidFill>
+                  <a:srgbClr val="8CF4F2"/>
+                </a:solidFill>
+                <a:effectLst>
+                  <a:outerShdw blurRad="38100" dist="38100" dir="2700000" algn="tl">
+                    <a:srgbClr val="000000">
+                      <a:alpha val="43137"/>
+                    </a:srgbClr>
+                  </a:outerShdw>
+                </a:effectLst>
+                <a:latin typeface="Consolas" pitchFamily="49" charset="0"/>
+                <a:cs typeface="Consolas" pitchFamily="49" charset="0"/>
+              </a:rPr>
+              <a:t>("{0} -&gt; {</a:t>
+            </a:r>
+            <a:r>
+              <a:rPr lang="en-US" sz="2200" b="1" noProof="1">
+                <a:solidFill>
+                  <a:srgbClr val="8CF4F2"/>
+                </a:solidFill>
+                <a:effectLst>
+                  <a:outerShdw blurRad="38100" dist="38100" dir="2700000" algn="tl">
+                    <a:srgbClr val="000000">
+                      <a:alpha val="43137"/>
+                    </a:srgbClr>
+                  </a:outerShdw>
+                </a:effectLst>
+                <a:latin typeface="Consolas" pitchFamily="49" charset="0"/>
+                <a:cs typeface="Consolas" pitchFamily="49" charset="0"/>
+              </a:rPr>
+              <a:t>1</a:t>
+            </a:r>
+            <a:r>
+              <a:rPr lang="en-US" sz="2200" b="1" noProof="1" smtClean="0">
+                <a:solidFill>
+                  <a:srgbClr val="8CF4F2"/>
+                </a:solidFill>
+                <a:effectLst>
+                  <a:outerShdw blurRad="38100" dist="38100" dir="2700000" algn="tl">
+                    <a:srgbClr val="000000">
+                      <a:alpha val="43137"/>
+                    </a:srgbClr>
+                  </a:outerShdw>
+                </a:effectLst>
+                <a:latin typeface="Consolas" pitchFamily="49" charset="0"/>
+                <a:cs typeface="Consolas" pitchFamily="49" charset="0"/>
+              </a:rPr>
+              <a:t>}", </a:t>
+            </a:r>
+            <a:endParaRPr lang="bg-BG" sz="2200" b="1" noProof="1" smtClean="0">
+              <a:solidFill>
+                <a:srgbClr val="8CF4F2"/>
+              </a:solidFill>
+              <a:effectLst>
+                <a:outerShdw blurRad="38100" dist="38100" dir="2700000" algn="tl">
+                  <a:srgbClr val="000000">
+                    <a:alpha val="43137"/>
+                  </a:srgbClr>
+                </a:outerShdw>
+              </a:effectLst>
+              <a:latin typeface="Consolas" pitchFamily="49" charset="0"/>
+              <a:cs typeface="Consolas" pitchFamily="49" charset="0"/>
+            </a:endParaRPr>
+          </a:p>
+          <a:p>
+            <a:pPr eaLnBrk="0" hangingPunct="0">
+              <a:spcBef>
+                <a:spcPts val="0"/>
+              </a:spcBef>
+              <a:buClr>
+                <a:schemeClr val="accent5">
+                  <a:lumMod val="40000"/>
+                  <a:lumOff val="60000"/>
+                </a:schemeClr>
+              </a:buClr>
+              <a:buSzPct val="70000"/>
+            </a:pPr>
+            <a:r>
+              <a:rPr lang="bg-BG" sz="2200" b="1" noProof="1" smtClean="0">
+                <a:solidFill>
+                  <a:srgbClr val="8CF4F2"/>
+                </a:solidFill>
+                <a:effectLst>
+                  <a:outerShdw blurRad="38100" dist="38100" dir="2700000" algn="tl">
+                    <a:srgbClr val="000000">
+                      <a:alpha val="43137"/>
+                    </a:srgbClr>
+                  </a:outerShdw>
+                </a:effectLst>
+                <a:latin typeface="Consolas" pitchFamily="49" charset="0"/>
+                <a:cs typeface="Consolas" pitchFamily="49" charset="0"/>
+              </a:rPr>
+              <a:t>         </a:t>
+            </a:r>
+            <a:r>
+              <a:rPr lang="en-US" sz="2200" b="1" noProof="1" smtClean="0">
+                <a:solidFill>
+                  <a:srgbClr val="8CF4F2"/>
+                </a:solidFill>
+                <a:effectLst>
+                  <a:outerShdw blurRad="38100" dist="38100" dir="2700000" algn="tl">
+                    <a:srgbClr val="000000">
+                      <a:alpha val="43137"/>
+                    </a:srgbClr>
+                  </a:outerShdw>
+                </a:effectLst>
+                <a:latin typeface="Consolas" pitchFamily="49" charset="0"/>
+                <a:cs typeface="Consolas" pitchFamily="49" charset="0"/>
+              </a:rPr>
+              <a:t>factor</a:t>
+            </a:r>
+            <a:r>
+              <a:rPr lang="en-US" sz="2200" b="1" noProof="1" smtClean="0">
+                <a:solidFill>
+                  <a:srgbClr val="8CF4F2"/>
+                </a:solidFill>
+                <a:effectLst>
+                  <a:outerShdw blurRad="38100" dist="38100" dir="2700000" algn="tl">
+                    <a:srgbClr val="000000">
+                      <a:alpha val="43137"/>
+                    </a:srgbClr>
+                  </a:outerShdw>
+                </a:effectLst>
+                <a:latin typeface="Consolas" pitchFamily="49" charset="0"/>
+                <a:cs typeface="Consolas" pitchFamily="49" charset="0"/>
+              </a:rPr>
+              <a:t>, counter);</a:t>
+            </a:r>
+            <a:endParaRPr lang="en-US" sz="2200" b="1" noProof="1">
+              <a:solidFill>
+                <a:srgbClr val="8CF4F2"/>
+              </a:solidFill>
+              <a:effectLst>
+                <a:outerShdw blurRad="38100" dist="38100" dir="2700000" algn="tl">
+                  <a:srgbClr val="000000">
+                    <a:alpha val="43137"/>
+                  </a:srgbClr>
+                </a:outerShdw>
+              </a:effectLst>
+              <a:latin typeface="Consolas" pitchFamily="49" charset="0"/>
+              <a:cs typeface="Consolas" pitchFamily="49" charset="0"/>
+            </a:endParaRPr>
+          </a:p>
+          <a:p>
+            <a:pPr eaLnBrk="0" hangingPunct="0">
+              <a:spcBef>
+                <a:spcPts val="0"/>
+              </a:spcBef>
+              <a:buClr>
+                <a:schemeClr val="accent5">
+                  <a:lumMod val="40000"/>
+                  <a:lumOff val="60000"/>
+                </a:schemeClr>
+              </a:buClr>
+              <a:buSzPct val="70000"/>
+            </a:pPr>
+            <a:r>
+              <a:rPr lang="en-US" sz="2200" b="1" noProof="1" smtClean="0">
+                <a:solidFill>
+                  <a:srgbClr val="8CF4F2"/>
+                </a:solidFill>
+                <a:effectLst>
+                  <a:outerShdw blurRad="38100" dist="38100" dir="2700000" algn="tl">
+                    <a:srgbClr val="000000">
+                      <a:alpha val="43137"/>
+                    </a:srgbClr>
+                  </a:outerShdw>
+                </a:effectLst>
+                <a:latin typeface="Consolas" pitchFamily="49" charset="0"/>
+                <a:cs typeface="Consolas" pitchFamily="49" charset="0"/>
+              </a:rPr>
+              <a:t>}</a:t>
+            </a:r>
+            <a:endParaRPr lang="en-US" sz="2200" b="1" noProof="1">
+              <a:solidFill>
+                <a:srgbClr val="8CF4F2"/>
+              </a:solidFill>
+              <a:effectLst>
+                <a:outerShdw blurRad="38100" dist="38100" dir="2700000" algn="tl">
+                  <a:srgbClr val="000000">
+                    <a:alpha val="43137"/>
+                  </a:srgbClr>
+                </a:outerShdw>
+              </a:effectLst>
+              <a:latin typeface="Consolas" pitchFamily="49" charset="0"/>
+              <a:cs typeface="Consolas" pitchFamily="49" charset="0"/>
+            </a:endParaRPr>
           </a:p>
         </p:txBody>
       </p:sp>
     </p:spTree>
     <p:extLst>
       <p:ext uri="{BB962C8B-B14F-4D97-AF65-F5344CB8AC3E}">
-        <p14:creationId xmlns:p14="http://schemas.microsoft.com/office/powerpoint/2010/main" val="4247518442"/>
+        <p14:creationId xmlns:p14="http://schemas.microsoft.com/office/powerpoint/2010/main" xmlns="" val="4247518442"/>
       </p:ext>
     </p:extLst>
   </p:cSld>
@@ -20221,10 +20356,10 @@
           <p:nvPr/>
         </p:nvPicPr>
         <p:blipFill>
-          <a:blip r:embed="rId2">
+          <a:blip r:embed="rId2" cstate="print">
             <a:extLst>
               <a:ext uri="{28A0092B-C50C-407E-A947-70E740481C1C}">
-                <a14:useLocalDpi xmlns:a14="http://schemas.microsoft.com/office/drawing/2010/main" val="0"/>
+                <a14:useLocalDpi xmlns:a14="http://schemas.microsoft.com/office/drawing/2010/main" xmlns="" val="0"/>
               </a:ext>
             </a:extLst>
           </a:blip>
@@ -20244,7 +20379,7 @@
           <a:noFill/>
           <a:extLst>
             <a:ext uri="{909E8E84-426E-40DD-AFC4-6F175D3DCCD1}">
-              <a14:hiddenFill xmlns:a14="http://schemas.microsoft.com/office/drawing/2010/main">
+              <a14:hiddenFill xmlns:a14="http://schemas.microsoft.com/office/drawing/2010/main" xmlns="">
                 <a:solidFill>
                   <a:srgbClr val="FFFFFF"/>
                 </a:solidFill>
@@ -20256,7 +20391,7 @@
     </p:spTree>
     <p:extLst>
       <p:ext uri="{BB962C8B-B14F-4D97-AF65-F5344CB8AC3E}">
-        <p14:creationId xmlns:p14="http://schemas.microsoft.com/office/powerpoint/2010/main" val="4266338986"/>
+        <p14:creationId xmlns:p14="http://schemas.microsoft.com/office/powerpoint/2010/main" xmlns="" val="4266338986"/>
       </p:ext>
     </p:extLst>
   </p:cSld>
@@ -20886,7 +21021,7 @@
     </p:spTree>
     <p:extLst>
       <p:ext uri="{BB962C8B-B14F-4D97-AF65-F5344CB8AC3E}">
-        <p14:creationId xmlns:p14="http://schemas.microsoft.com/office/powerpoint/2010/main" val="2567631786"/>
+        <p14:creationId xmlns:p14="http://schemas.microsoft.com/office/powerpoint/2010/main" xmlns="" val="2567631786"/>
       </p:ext>
     </p:extLst>
   </p:cSld>
@@ -21280,7 +21415,41 @@
                 <a:latin typeface="Consolas" pitchFamily="49" charset="0"/>
                 <a:cs typeface="Consolas" pitchFamily="49" charset="0"/>
               </a:rPr>
-              <a:t>For(int i = 0; i &lt; array.Length; i++)</a:t>
+              <a:t>f</a:t>
+            </a:r>
+            <a:r>
+              <a:rPr lang="en-US" sz="2200" b="1" noProof="1" smtClean="0">
+                <a:solidFill>
+                  <a:srgbClr val="8CF4F2"/>
+                </a:solidFill>
+                <a:effectLst>
+                  <a:outerShdw blurRad="38100" dist="38100" dir="2700000" algn="tl">
+                    <a:srgbClr val="000000">
+                      <a:alpha val="43137"/>
+                    </a:srgbClr>
+                  </a:outerShdw>
+                </a:effectLst>
+                <a:latin typeface="Consolas" pitchFamily="49" charset="0"/>
+                <a:cs typeface="Consolas" pitchFamily="49" charset="0"/>
+              </a:rPr>
+              <a:t>or(int </a:t>
+            </a:r>
+            <a:r>
+              <a:rPr lang="en-US" sz="2200" b="1" noProof="1" smtClean="0">
+                <a:solidFill>
+                  <a:srgbClr val="8CF4F2"/>
+                </a:solidFill>
+                <a:effectLst>
+                  <a:outerShdw blurRad="38100" dist="38100" dir="2700000" algn="tl">
+                    <a:srgbClr val="000000">
+                      <a:alpha val="43137"/>
+                    </a:srgbClr>
+                  </a:outerShdw>
+                </a:effectLst>
+                <a:latin typeface="Consolas" pitchFamily="49" charset="0"/>
+                <a:cs typeface="Consolas" pitchFamily="49" charset="0"/>
+              </a:rPr>
+              <a:t>i = 0; i &lt; array.Length; i++)</a:t>
             </a:r>
           </a:p>
           <a:p>
@@ -21656,10 +21825,10 @@
           <p:nvPr/>
         </p:nvPicPr>
         <p:blipFill>
-          <a:blip r:embed="rId2">
+          <a:blip r:embed="rId2" cstate="print">
             <a:extLst>
               <a:ext uri="{28A0092B-C50C-407E-A947-70E740481C1C}">
-                <a14:useLocalDpi xmlns:a14="http://schemas.microsoft.com/office/drawing/2010/main" val="0"/>
+                <a14:useLocalDpi xmlns:a14="http://schemas.microsoft.com/office/drawing/2010/main" xmlns="" val="0"/>
               </a:ext>
             </a:extLst>
           </a:blip>
@@ -21679,7 +21848,7 @@
           <a:noFill/>
           <a:extLst>
             <a:ext uri="{909E8E84-426E-40DD-AFC4-6F175D3DCCD1}">
-              <a14:hiddenFill xmlns:a14="http://schemas.microsoft.com/office/drawing/2010/main">
+              <a14:hiddenFill xmlns:a14="http://schemas.microsoft.com/office/drawing/2010/main" xmlns="">
                 <a:solidFill>
                   <a:srgbClr val="FFFFFF"/>
                 </a:solidFill>
@@ -21691,7 +21860,7 @@
     </p:spTree>
     <p:extLst>
       <p:ext uri="{BB962C8B-B14F-4D97-AF65-F5344CB8AC3E}">
-        <p14:creationId xmlns:p14="http://schemas.microsoft.com/office/powerpoint/2010/main" val="3756028080"/>
+        <p14:creationId xmlns:p14="http://schemas.microsoft.com/office/powerpoint/2010/main" xmlns="" val="3756028080"/>
       </p:ext>
     </p:extLst>
   </p:cSld>
@@ -21758,7 +21927,7 @@
     </p:spTree>
     <p:extLst>
       <p:ext uri="{BB962C8B-B14F-4D97-AF65-F5344CB8AC3E}">
-        <p14:creationId xmlns:p14="http://schemas.microsoft.com/office/powerpoint/2010/main" val="3595456060"/>
+        <p14:creationId xmlns:p14="http://schemas.microsoft.com/office/powerpoint/2010/main" xmlns="" val="3595456060"/>
       </p:ext>
     </p:extLst>
   </p:cSld>
@@ -22014,10 +22183,10 @@
           <p:nvPr/>
         </p:nvPicPr>
         <p:blipFill>
-          <a:blip r:embed="rId6">
+          <a:blip r:embed="rId6" cstate="print">
             <a:extLst>
               <a:ext uri="{28A0092B-C50C-407E-A947-70E740481C1C}">
-                <a14:useLocalDpi xmlns:a14="http://schemas.microsoft.com/office/drawing/2010/main" val="0"/>
+                <a14:useLocalDpi xmlns:a14="http://schemas.microsoft.com/office/drawing/2010/main" xmlns="" val="0"/>
               </a:ext>
             </a:extLst>
           </a:blip>
@@ -22041,14 +22210,14 @@
           <a:effectLst/>
           <a:extLst>
             <a:ext uri="{909E8E84-426E-40DD-AFC4-6F175D3DCCD1}">
-              <a14:hiddenFill xmlns:a14="http://schemas.microsoft.com/office/drawing/2010/main">
+              <a14:hiddenFill xmlns:a14="http://schemas.microsoft.com/office/drawing/2010/main" xmlns="">
                 <a:solidFill>
                   <a:schemeClr val="accent1"/>
                 </a:solidFill>
               </a14:hiddenFill>
             </a:ext>
             <a:ext uri="{91240B29-F687-4F45-9708-019B960494DF}">
-              <a14:hiddenLine xmlns:a14="http://schemas.microsoft.com/office/drawing/2010/main" w="9525">
+              <a14:hiddenLine xmlns:a14="http://schemas.microsoft.com/office/drawing/2010/main" xmlns="" w="9525">
                 <a:solidFill>
                   <a:schemeClr val="tx1"/>
                 </a:solidFill>
@@ -22058,7 +22227,7 @@
               </a14:hiddenLine>
             </a:ext>
             <a:ext uri="{AF507438-7753-43E0-B8FC-AC1667EBCBE1}">
-              <a14:hiddenEffects xmlns:a14="http://schemas.microsoft.com/office/drawing/2010/main">
+              <a14:hiddenEffects xmlns:a14="http://schemas.microsoft.com/office/drawing/2010/main" xmlns="">
                 <a:effectLst>
                   <a:outerShdw dist="35921" dir="2700000" algn="ctr" rotWithShape="0">
                     <a:schemeClr val="bg2"/>
@@ -22080,10 +22249,10 @@
           <p:nvPr/>
         </p:nvPicPr>
         <p:blipFill>
-          <a:blip r:embed="rId7">
+          <a:blip r:embed="rId7" cstate="print">
             <a:extLst>
               <a:ext uri="{28A0092B-C50C-407E-A947-70E740481C1C}">
-                <a14:useLocalDpi xmlns:a14="http://schemas.microsoft.com/office/drawing/2010/main" val="0"/>
+                <a14:useLocalDpi xmlns:a14="http://schemas.microsoft.com/office/drawing/2010/main" xmlns="" val="0"/>
               </a:ext>
             </a:extLst>
           </a:blip>
@@ -22108,7 +22277,7 @@
           </a:ln>
           <a:extLst>
             <a:ext uri="{909E8E84-426E-40DD-AFC4-6F175D3DCCD1}">
-              <a14:hiddenFill xmlns:a14="http://schemas.microsoft.com/office/drawing/2010/main">
+              <a14:hiddenFill xmlns:a14="http://schemas.microsoft.com/office/drawing/2010/main" xmlns="">
                 <a:solidFill>
                   <a:srgbClr val="FFFFFF"/>
                 </a:solidFill>
@@ -22128,10 +22297,10 @@
           <p:nvPr/>
         </p:nvPicPr>
         <p:blipFill>
-          <a:blip r:embed="rId9">
+          <a:blip r:embed="rId9" cstate="print">
             <a:extLst>
               <a:ext uri="{28A0092B-C50C-407E-A947-70E740481C1C}">
-                <a14:useLocalDpi xmlns:a14="http://schemas.microsoft.com/office/drawing/2010/main" val="0"/>
+                <a14:useLocalDpi xmlns:a14="http://schemas.microsoft.com/office/drawing/2010/main" xmlns="" val="0"/>
               </a:ext>
             </a:extLst>
           </a:blip>
@@ -22155,14 +22324,14 @@
           <a:effectLst/>
           <a:extLst>
             <a:ext uri="{909E8E84-426E-40DD-AFC4-6F175D3DCCD1}">
-              <a14:hiddenFill xmlns:a14="http://schemas.microsoft.com/office/drawing/2010/main">
+              <a14:hiddenFill xmlns:a14="http://schemas.microsoft.com/office/drawing/2010/main" xmlns="">
                 <a:solidFill>
                   <a:schemeClr val="accent1"/>
                 </a:solidFill>
               </a14:hiddenFill>
             </a:ext>
             <a:ext uri="{91240B29-F687-4F45-9708-019B960494DF}">
-              <a14:hiddenLine xmlns:a14="http://schemas.microsoft.com/office/drawing/2010/main" w="9525">
+              <a14:hiddenLine xmlns:a14="http://schemas.microsoft.com/office/drawing/2010/main" xmlns="" w="9525">
                 <a:solidFill>
                   <a:schemeClr val="tx1"/>
                 </a:solidFill>
@@ -22172,7 +22341,7 @@
               </a14:hiddenLine>
             </a:ext>
             <a:ext uri="{AF507438-7753-43E0-B8FC-AC1667EBCBE1}">
-              <a14:hiddenEffects xmlns:a14="http://schemas.microsoft.com/office/drawing/2010/main">
+              <a14:hiddenEffects xmlns:a14="http://schemas.microsoft.com/office/drawing/2010/main" xmlns="">
                 <a:effectLst>
                   <a:outerShdw dist="35921" dir="2700000" algn="ctr" rotWithShape="0">
                     <a:schemeClr val="bg2"/>
@@ -22197,7 +22366,7 @@
           <a:blip r:embed="rId10" cstate="print">
             <a:extLst>
               <a:ext uri="{28A0092B-C50C-407E-A947-70E740481C1C}">
-                <a14:useLocalDpi xmlns:a14="http://schemas.microsoft.com/office/drawing/2010/main" val="0"/>
+                <a14:useLocalDpi xmlns:a14="http://schemas.microsoft.com/office/drawing/2010/main" xmlns="" val="0"/>
               </a:ext>
             </a:extLst>
           </a:blip>
@@ -22218,7 +22387,7 @@
     </p:spTree>
     <p:extLst>
       <p:ext uri="{BB962C8B-B14F-4D97-AF65-F5344CB8AC3E}">
-        <p14:creationId xmlns:p14="http://schemas.microsoft.com/office/powerpoint/2010/main" val="3135926656"/>
+        <p14:creationId xmlns:p14="http://schemas.microsoft.com/office/powerpoint/2010/main" xmlns="" val="3135926656"/>
       </p:ext>
     </p:extLst>
   </p:cSld>
@@ -22567,7 +22736,7 @@
     </p:spTree>
     <p:extLst>
       <p:ext uri="{BB962C8B-B14F-4D97-AF65-F5344CB8AC3E}">
-        <p14:creationId xmlns:p14="http://schemas.microsoft.com/office/powerpoint/2010/main" val="2011893742"/>
+        <p14:creationId xmlns:p14="http://schemas.microsoft.com/office/powerpoint/2010/main" xmlns="" val="2011893742"/>
       </p:ext>
     </p:extLst>
   </p:cSld>
@@ -23164,7 +23333,7 @@
           <a:blip r:embed="rId2" cstate="print">
             <a:extLst>
               <a:ext uri="{28A0092B-C50C-407E-A947-70E740481C1C}">
-                <a14:useLocalDpi xmlns:a14="http://schemas.microsoft.com/office/drawing/2010/main" val="0"/>
+                <a14:useLocalDpi xmlns:a14="http://schemas.microsoft.com/office/drawing/2010/main" xmlns="" val="0"/>
               </a:ext>
             </a:extLst>
           </a:blip>
@@ -23185,7 +23354,7 @@
     </p:spTree>
     <p:extLst>
       <p:ext uri="{BB962C8B-B14F-4D97-AF65-F5344CB8AC3E}">
-        <p14:creationId xmlns:p14="http://schemas.microsoft.com/office/powerpoint/2010/main" val="1264460901"/>
+        <p14:creationId xmlns:p14="http://schemas.microsoft.com/office/powerpoint/2010/main" xmlns="" val="1264460901"/>
       </p:ext>
     </p:extLst>
   </p:cSld>
@@ -24085,7 +24254,7 @@
     </p:spTree>
     <p:extLst>
       <p:ext uri="{BB962C8B-B14F-4D97-AF65-F5344CB8AC3E}">
-        <p14:creationId xmlns:p14="http://schemas.microsoft.com/office/powerpoint/2010/main" val="3585703537"/>
+        <p14:creationId xmlns:p14="http://schemas.microsoft.com/office/powerpoint/2010/main" xmlns="" val="3585703537"/>
       </p:ext>
     </p:extLst>
   </p:cSld>
@@ -24884,7 +25053,7 @@
     </p:spTree>
     <p:extLst>
       <p:ext uri="{BB962C8B-B14F-4D97-AF65-F5344CB8AC3E}">
-        <p14:creationId xmlns:p14="http://schemas.microsoft.com/office/powerpoint/2010/main" val="1914521946"/>
+        <p14:creationId xmlns:p14="http://schemas.microsoft.com/office/powerpoint/2010/main" xmlns="" val="1914521946"/>
       </p:ext>
     </p:extLst>
   </p:cSld>
@@ -25010,7 +25179,7 @@
     </p:spTree>
     <p:extLst>
       <p:ext uri="{BB962C8B-B14F-4D97-AF65-F5344CB8AC3E}">
-        <p14:creationId xmlns:p14="http://schemas.microsoft.com/office/powerpoint/2010/main" val="2891970426"/>
+        <p14:creationId xmlns:p14="http://schemas.microsoft.com/office/powerpoint/2010/main" xmlns="" val="2891970426"/>
       </p:ext>
     </p:extLst>
   </p:cSld>
@@ -25799,7 +25968,7 @@
     </p:spTree>
     <p:extLst>
       <p:ext uri="{BB962C8B-B14F-4D97-AF65-F5344CB8AC3E}">
-        <p14:creationId xmlns:p14="http://schemas.microsoft.com/office/powerpoint/2010/main" val="1042716686"/>
+        <p14:creationId xmlns:p14="http://schemas.microsoft.com/office/powerpoint/2010/main" xmlns="" val="1042716686"/>
       </p:ext>
     </p:extLst>
   </p:cSld>
